--- a/docs/Reuniones/Sprint 3/Informe de Avance/2013-10-19-InformedeAvance.pptx
+++ b/docs/Reuniones/Sprint 3/Informe de Avance/2013-10-19-InformedeAvance.pptx
@@ -110,6 +110,11 @@
       </a:defRPr>
     </a:lvl9pPr>
   </p:defaultTextStyle>
+  <p:extLst>
+    <p:ext uri="{EFAFB233-063F-42B5-8137-9DF3F51BA10A}">
+      <p15:sldGuideLst xmlns:p15="http://schemas.microsoft.com/office/powerpoint/2012/main"/>
+    </p:ext>
+  </p:extLst>
 </p:presentation>
 </file>
 
@@ -3889,11 +3894,7 @@
             </a:pPr>
             <a:r>
               <a:rPr lang="es-AR" sz="3200" dirty="0" smtClean="0"/>
-              <a:t>Carga de información de complejos</a:t>
-            </a:r>
-            <a:r>
-              <a:rPr lang="es-AR" sz="3200" dirty="0" smtClean="0"/>
-              <a:t>.</a:t>
+              <a:t>Carga de información de complejos.</a:t>
             </a:r>
           </a:p>
           <a:p>
@@ -4025,6 +4026,36 @@
           </a:p>
         </p:txBody>
       </p:sp>
+      <p:pic>
+        <p:nvPicPr>
+          <p:cNvPr id="3" name="Picture 2"/>
+          <p:cNvPicPr>
+            <a:picLocks noChangeAspect="1"/>
+          </p:cNvPicPr>
+          <p:nvPr/>
+        </p:nvPicPr>
+        <p:blipFill>
+          <a:blip r:embed="rId2">
+            <a:extLst>
+              <a:ext uri="{28A0092B-C50C-407E-A947-70E740481C1C}">
+                <a14:useLocalDpi xmlns:a14="http://schemas.microsoft.com/office/drawing/2010/main" val="0"/>
+              </a:ext>
+            </a:extLst>
+          </a:blip>
+          <a:stretch>
+            <a:fillRect/>
+          </a:stretch>
+        </p:blipFill>
+        <p:spPr>
+          <a:xfrm>
+            <a:off x="187609" y="1736436"/>
+            <a:ext cx="11763456" cy="4414982"/>
+          </a:xfrm>
+          <a:prstGeom prst="rect">
+            <a:avLst/>
+          </a:prstGeom>
+        </p:spPr>
+      </p:pic>
     </p:spTree>
     <p:extLst>
       <p:ext uri="{BB962C8B-B14F-4D97-AF65-F5344CB8AC3E}">

--- a/docs/Reuniones/Sprint 3/Informe de Avance/2013-10-19-InformedeAvance.pptx
+++ b/docs/Reuniones/Sprint 3/Informe de Avance/2013-10-19-InformedeAvance.pptx
@@ -318,7 +318,7 @@
           <a:p>
             <a:fld id="{2E617C37-6303-42D8-BFE6-5EB24290275E}" type="datetimeFigureOut">
               <a:rPr lang="es-AR" smtClean="0"/>
-              <a:t>19/10/2013</a:t>
+              <a:t>21/10/2013</a:t>
             </a:fld>
             <a:endParaRPr lang="es-AR"/>
           </a:p>
@@ -508,7 +508,7 @@
           <a:p>
             <a:fld id="{2E617C37-6303-42D8-BFE6-5EB24290275E}" type="datetimeFigureOut">
               <a:rPr lang="es-AR" smtClean="0"/>
-              <a:t>19/10/2013</a:t>
+              <a:t>21/10/2013</a:t>
             </a:fld>
             <a:endParaRPr lang="es-AR"/>
           </a:p>
@@ -688,7 +688,7 @@
           <a:p>
             <a:fld id="{2E617C37-6303-42D8-BFE6-5EB24290275E}" type="datetimeFigureOut">
               <a:rPr lang="es-AR" smtClean="0"/>
-              <a:t>19/10/2013</a:t>
+              <a:t>21/10/2013</a:t>
             </a:fld>
             <a:endParaRPr lang="es-AR"/>
           </a:p>
@@ -858,7 +858,7 @@
           <a:p>
             <a:fld id="{2E617C37-6303-42D8-BFE6-5EB24290275E}" type="datetimeFigureOut">
               <a:rPr lang="es-AR" smtClean="0"/>
-              <a:t>19/10/2013</a:t>
+              <a:t>21/10/2013</a:t>
             </a:fld>
             <a:endParaRPr lang="es-AR"/>
           </a:p>
@@ -1114,7 +1114,7 @@
           <a:p>
             <a:fld id="{2E617C37-6303-42D8-BFE6-5EB24290275E}" type="datetimeFigureOut">
               <a:rPr lang="es-AR" smtClean="0"/>
-              <a:t>19/10/2013</a:t>
+              <a:t>21/10/2013</a:t>
             </a:fld>
             <a:endParaRPr lang="es-AR"/>
           </a:p>
@@ -1402,7 +1402,7 @@
           <a:p>
             <a:fld id="{2E617C37-6303-42D8-BFE6-5EB24290275E}" type="datetimeFigureOut">
               <a:rPr lang="es-AR" smtClean="0"/>
-              <a:t>19/10/2013</a:t>
+              <a:t>21/10/2013</a:t>
             </a:fld>
             <a:endParaRPr lang="es-AR"/>
           </a:p>
@@ -1840,7 +1840,7 @@
           <a:p>
             <a:fld id="{2E617C37-6303-42D8-BFE6-5EB24290275E}" type="datetimeFigureOut">
               <a:rPr lang="es-AR" smtClean="0"/>
-              <a:t>19/10/2013</a:t>
+              <a:t>21/10/2013</a:t>
             </a:fld>
             <a:endParaRPr lang="es-AR"/>
           </a:p>
@@ -1958,7 +1958,7 @@
           <a:p>
             <a:fld id="{2E617C37-6303-42D8-BFE6-5EB24290275E}" type="datetimeFigureOut">
               <a:rPr lang="es-AR" smtClean="0"/>
-              <a:t>19/10/2013</a:t>
+              <a:t>21/10/2013</a:t>
             </a:fld>
             <a:endParaRPr lang="es-AR"/>
           </a:p>
@@ -2053,7 +2053,7 @@
           <a:p>
             <a:fld id="{2E617C37-6303-42D8-BFE6-5EB24290275E}" type="datetimeFigureOut">
               <a:rPr lang="es-AR" smtClean="0"/>
-              <a:t>19/10/2013</a:t>
+              <a:t>21/10/2013</a:t>
             </a:fld>
             <a:endParaRPr lang="es-AR"/>
           </a:p>
@@ -2409,7 +2409,7 @@
           <a:p>
             <a:fld id="{2E617C37-6303-42D8-BFE6-5EB24290275E}" type="datetimeFigureOut">
               <a:rPr lang="es-AR" smtClean="0"/>
-              <a:t>19/10/2013</a:t>
+              <a:t>21/10/2013</a:t>
             </a:fld>
             <a:endParaRPr lang="es-AR"/>
           </a:p>
@@ -2725,7 +2725,7 @@
           <a:p>
             <a:fld id="{2E617C37-6303-42D8-BFE6-5EB24290275E}" type="datetimeFigureOut">
               <a:rPr lang="es-AR" smtClean="0"/>
-              <a:t>19/10/2013</a:t>
+              <a:t>21/10/2013</a:t>
             </a:fld>
             <a:endParaRPr lang="es-AR"/>
           </a:p>
@@ -2958,7 +2958,7 @@
           <a:p>
             <a:fld id="{2E617C37-6303-42D8-BFE6-5EB24290275E}" type="datetimeFigureOut">
               <a:rPr lang="es-AR" smtClean="0"/>
-              <a:t>19/10/2013</a:t>
+              <a:t>21/10/2013</a:t>
             </a:fld>
             <a:endParaRPr lang="es-AR"/>
           </a:p>
@@ -3906,11 +3906,11 @@
               <a:buChar char="ü"/>
             </a:pPr>
             <a:r>
-              <a:rPr lang="es-AR" sz="3200" dirty="0"/>
+              <a:rPr lang="es-AR" sz="3200" dirty="0" smtClean="0"/>
               <a:t>Permitir usuarios </a:t>
             </a:r>
             <a:r>
-              <a:rPr lang="es-AR" sz="3200" dirty="0" err="1"/>
+              <a:rPr lang="es-AR" sz="3200" dirty="0" err="1" smtClean="0"/>
               <a:t>read-only</a:t>
             </a:r>
             <a:endParaRPr lang="es-AR" sz="3200" dirty="0"/>
